--- a/Bay_Piggies_2025_06_26.pptx
+++ b/Bay_Piggies_2025_06_26.pptx
@@ -19,17 +19,17 @@
     <p:sldId id="263" r:id="rId10"/>
     <p:sldId id="264" r:id="rId11"/>
     <p:sldId id="265" r:id="rId12"/>
-    <p:sldId id="266" r:id="rId13"/>
-    <p:sldId id="267" r:id="rId14"/>
-    <p:sldId id="269" r:id="rId15"/>
-    <p:sldId id="270" r:id="rId16"/>
-    <p:sldId id="271" r:id="rId17"/>
-    <p:sldId id="272" r:id="rId18"/>
-    <p:sldId id="273" r:id="rId19"/>
-    <p:sldId id="274" r:id="rId20"/>
-    <p:sldId id="275" r:id="rId21"/>
-    <p:sldId id="285" r:id="rId22"/>
-    <p:sldId id="286" r:id="rId23"/>
+    <p:sldId id="267" r:id="rId13"/>
+    <p:sldId id="269" r:id="rId14"/>
+    <p:sldId id="270" r:id="rId15"/>
+    <p:sldId id="271" r:id="rId16"/>
+    <p:sldId id="272" r:id="rId17"/>
+    <p:sldId id="273" r:id="rId18"/>
+    <p:sldId id="274" r:id="rId19"/>
+    <p:sldId id="275" r:id="rId20"/>
+    <p:sldId id="285" r:id="rId21"/>
+    <p:sldId id="286" r:id="rId22"/>
+    <p:sldId id="288" r:id="rId23"/>
   </p:sldIdLst>
   <p:sldSz cx="9144000" cy="5143500" type="screen16x9"/>
   <p:notesSz cx="6858000" cy="9144000"/>
@@ -298,7 +298,7 @@
 <file path=ppt/revisionInfo.xml><?xml version="1.0" encoding="utf-8"?>
 <p1510:revInfo xmlns:a="http://schemas.openxmlformats.org/drawingml/2006/main" xmlns:r="http://schemas.openxmlformats.org/officeDocument/2006/relationships" xmlns:p1510="http://schemas.microsoft.com/office/powerpoint/2015/10/main">
   <p1510:revLst>
-    <p1510:client id="{C8572EB0-8950-433A-BC3D-552043CBFF01}" v="4" dt="2025-06-23T16:55:18.674"/>
+    <p1510:client id="{C8572EB0-8950-433A-BC3D-552043CBFF01}" v="10" dt="2025-06-26T18:24:24.091"/>
   </p1510:revLst>
 </p1510:revInfo>
 </file>
@@ -308,7 +308,7 @@
   <pc:docChgLst>
     <pc:chgData name="Michael Purtell" userId="acb440cf5b4acec9" providerId="LiveId" clId="{C8572EB0-8950-433A-BC3D-552043CBFF01}"/>
     <pc:docChg chg="undo custSel addSld delSld modSld">
-      <pc:chgData name="Michael Purtell" userId="acb440cf5b4acec9" providerId="LiveId" clId="{C8572EB0-8950-433A-BC3D-552043CBFF01}" dt="2025-06-23T17:07:09.788" v="1352" actId="20577"/>
+      <pc:chgData name="Michael Purtell" userId="acb440cf5b4acec9" providerId="LiveId" clId="{C8572EB0-8950-433A-BC3D-552043CBFF01}" dt="2025-06-26T18:26:34.904" v="1727" actId="1076"/>
       <pc:docMkLst>
         <pc:docMk/>
       </pc:docMkLst>
@@ -438,8 +438,8 @@
           </ac:spMkLst>
         </pc:spChg>
       </pc:sldChg>
-      <pc:sldChg chg="modSp mod modNotes">
-        <pc:chgData name="Michael Purtell" userId="acb440cf5b4acec9" providerId="LiveId" clId="{C8572EB0-8950-433A-BC3D-552043CBFF01}" dt="2025-06-23T16:42:35.639" v="885" actId="20577"/>
+      <pc:sldChg chg="modSp del mod modNotes">
+        <pc:chgData name="Michael Purtell" userId="acb440cf5b4acec9" providerId="LiveId" clId="{C8572EB0-8950-433A-BC3D-552043CBFF01}" dt="2025-06-26T18:23:40.305" v="1662" actId="2696"/>
         <pc:sldMkLst>
           <pc:docMk/>
           <pc:sldMk cId="0" sldId="266"/>
@@ -588,13 +588,21 @@
         </pc:sldMkLst>
       </pc:sldChg>
       <pc:sldChg chg="modSp mod">
-        <pc:chgData name="Michael Purtell" userId="acb440cf5b4acec9" providerId="LiveId" clId="{C8572EB0-8950-433A-BC3D-552043CBFF01}" dt="2025-06-23T16:14:32.222" v="223" actId="20577"/>
+        <pc:chgData name="Michael Purtell" userId="acb440cf5b4acec9" providerId="LiveId" clId="{C8572EB0-8950-433A-BC3D-552043CBFF01}" dt="2025-06-26T18:24:50.298" v="1726" actId="313"/>
         <pc:sldMkLst>
           <pc:docMk/>
           <pc:sldMk cId="0" sldId="286"/>
         </pc:sldMkLst>
         <pc:spChg chg="mod">
-          <ac:chgData name="Michael Purtell" userId="acb440cf5b4acec9" providerId="LiveId" clId="{C8572EB0-8950-433A-BC3D-552043CBFF01}" dt="2025-06-23T16:14:32.222" v="223" actId="20577"/>
+          <ac:chgData name="Michael Purtell" userId="acb440cf5b4acec9" providerId="LiveId" clId="{C8572EB0-8950-433A-BC3D-552043CBFF01}" dt="2025-06-26T18:23:49.808" v="1665" actId="20577"/>
+          <ac:spMkLst>
+            <pc:docMk/>
+            <pc:sldMk cId="0" sldId="286"/>
+            <ac:spMk id="499" creationId="{00000000-0000-0000-0000-000000000000}"/>
+          </ac:spMkLst>
+        </pc:spChg>
+        <pc:spChg chg="mod">
+          <ac:chgData name="Michael Purtell" userId="acb440cf5b4acec9" providerId="LiveId" clId="{C8572EB0-8950-433A-BC3D-552043CBFF01}" dt="2025-06-26T18:24:50.298" v="1726" actId="313"/>
           <ac:spMkLst>
             <pc:docMk/>
             <pc:sldMk cId="0" sldId="286"/>
@@ -624,6 +632,53 @@
             <ac:spMk id="284" creationId="{19607EA5-D9FB-C383-8210-D654E6DA44B7}"/>
           </ac:spMkLst>
         </pc:spChg>
+      </pc:sldChg>
+      <pc:sldChg chg="addSp delSp modSp add mod">
+        <pc:chgData name="Michael Purtell" userId="acb440cf5b4acec9" providerId="LiveId" clId="{C8572EB0-8950-433A-BC3D-552043CBFF01}" dt="2025-06-26T18:26:34.904" v="1727" actId="1076"/>
+        <pc:sldMkLst>
+          <pc:docMk/>
+          <pc:sldMk cId="1489871014" sldId="288"/>
+        </pc:sldMkLst>
+        <pc:spChg chg="add del mod">
+          <ac:chgData name="Michael Purtell" userId="acb440cf5b4acec9" providerId="LiveId" clId="{C8572EB0-8950-433A-BC3D-552043CBFF01}" dt="2025-06-26T18:15:12.838" v="1356" actId="21"/>
+          <ac:spMkLst>
+            <pc:docMk/>
+            <pc:sldMk cId="1489871014" sldId="288"/>
+            <ac:spMk id="3" creationId="{64D19BB3-0BAF-44FF-8C2B-2252E0DB4C1B}"/>
+          </ac:spMkLst>
+        </pc:spChg>
+        <pc:spChg chg="add mod">
+          <ac:chgData name="Michael Purtell" userId="acb440cf5b4acec9" providerId="LiveId" clId="{C8572EB0-8950-433A-BC3D-552043CBFF01}" dt="2025-06-26T18:22:53.880" v="1648" actId="20577"/>
+          <ac:spMkLst>
+            <pc:docMk/>
+            <pc:sldMk cId="1489871014" sldId="288"/>
+            <ac:spMk id="6" creationId="{58DD45C2-7BF3-6CC3-8B51-E2B304F97BD2}"/>
+          </ac:spMkLst>
+        </pc:spChg>
+        <pc:spChg chg="mod">
+          <ac:chgData name="Michael Purtell" userId="acb440cf5b4acec9" providerId="LiveId" clId="{C8572EB0-8950-433A-BC3D-552043CBFF01}" dt="2025-06-26T18:23:31.330" v="1661" actId="255"/>
+          <ac:spMkLst>
+            <pc:docMk/>
+            <pc:sldMk cId="1489871014" sldId="288"/>
+            <ac:spMk id="499" creationId="{396BBAAE-C0FB-371E-3AD5-370DF0DFF597}"/>
+          </ac:spMkLst>
+        </pc:spChg>
+        <pc:spChg chg="del">
+          <ac:chgData name="Michael Purtell" userId="acb440cf5b4acec9" providerId="LiveId" clId="{C8572EB0-8950-433A-BC3D-552043CBFF01}" dt="2025-06-26T18:15:09.348" v="1355" actId="21"/>
+          <ac:spMkLst>
+            <pc:docMk/>
+            <pc:sldMk cId="1489871014" sldId="288"/>
+            <ac:spMk id="500" creationId="{331BF4EF-61C9-666C-EAE6-252830D8AF28}"/>
+          </ac:spMkLst>
+        </pc:spChg>
+        <pc:picChg chg="add mod">
+          <ac:chgData name="Michael Purtell" userId="acb440cf5b4acec9" providerId="LiveId" clId="{C8572EB0-8950-433A-BC3D-552043CBFF01}" dt="2025-06-26T18:26:34.904" v="1727" actId="1076"/>
+          <ac:picMkLst>
+            <pc:docMk/>
+            <pc:sldMk cId="1489871014" sldId="288"/>
+            <ac:picMk id="5" creationId="{925A7FED-A5B2-2F47-355A-3081C94F7AFE}"/>
+          </ac:picMkLst>
+        </pc:picChg>
       </pc:sldChg>
     </pc:docChg>
   </pc:docChgLst>
@@ -1388,110 +1443,6 @@
   <p:cSld>
     <p:spTree>
       <p:nvGrpSpPr>
-        <p:cNvPr id="1" name="Shape 348"/>
-        <p:cNvGrpSpPr/>
-        <p:nvPr/>
-      </p:nvGrpSpPr>
-      <p:grpSpPr>
-        <a:xfrm>
-          <a:off x="0" y="0"/>
-          <a:ext cx="0" cy="0"/>
-          <a:chOff x="0" y="0"/>
-          <a:chExt cx="0" cy="0"/>
-        </a:xfrm>
-      </p:grpSpPr>
-      <p:sp>
-        <p:nvSpPr>
-          <p:cNvPr id="349" name="Google Shape;349;g2e600c261e3_0_418:notes"/>
-          <p:cNvSpPr>
-            <a:spLocks noGrp="1" noRot="1" noChangeAspect="1"/>
-          </p:cNvSpPr>
-          <p:nvPr>
-            <p:ph type="sldImg" idx="2"/>
-          </p:nvPr>
-        </p:nvSpPr>
-        <p:spPr>
-          <a:xfrm>
-            <a:off x="381000" y="685800"/>
-            <a:ext cx="6096000" cy="3429000"/>
-          </a:xfrm>
-          <a:custGeom>
-            <a:avLst/>
-            <a:gdLst/>
-            <a:ahLst/>
-            <a:cxnLst/>
-            <a:rect l="l" t="t" r="r" b="b"/>
-            <a:pathLst>
-              <a:path w="120000" h="120000" extrusionOk="0">
-                <a:moveTo>
-                  <a:pt x="0" y="0"/>
-                </a:moveTo>
-                <a:lnTo>
-                  <a:pt x="120000" y="0"/>
-                </a:lnTo>
-                <a:lnTo>
-                  <a:pt x="120000" y="120000"/>
-                </a:lnTo>
-                <a:lnTo>
-                  <a:pt x="0" y="120000"/>
-                </a:lnTo>
-                <a:close/>
-              </a:path>
-            </a:pathLst>
-          </a:custGeom>
-        </p:spPr>
-      </p:sp>
-      <p:sp>
-        <p:nvSpPr>
-          <p:cNvPr id="350" name="Google Shape;350;g2e600c261e3_0_418:notes"/>
-          <p:cNvSpPr txBox="1">
-            <a:spLocks noGrp="1"/>
-          </p:cNvSpPr>
-          <p:nvPr>
-            <p:ph type="body" idx="1"/>
-          </p:nvPr>
-        </p:nvSpPr>
-        <p:spPr>
-          <a:xfrm>
-            <a:off x="685800" y="4343400"/>
-            <a:ext cx="5486400" cy="4114800"/>
-          </a:xfrm>
-          <a:prstGeom prst="rect">
-            <a:avLst/>
-          </a:prstGeom>
-        </p:spPr>
-        <p:txBody>
-          <a:bodyPr spcFirstLastPara="1" wrap="square" lIns="91425" tIns="91425" rIns="91425" bIns="91425" anchor="t" anchorCtr="0">
-            <a:noAutofit/>
-          </a:bodyPr>
-          <a:lstStyle/>
-          <a:p>
-            <a:pPr marL="0" lvl="0" indent="0" algn="l" rtl="0">
-              <a:spcBef>
-                <a:spcPts val="0"/>
-              </a:spcBef>
-              <a:spcAft>
-                <a:spcPts val="0"/>
-              </a:spcAft>
-              <a:buNone/>
-            </a:pPr>
-            <a:endParaRPr/>
-          </a:p>
-        </p:txBody>
-      </p:sp>
-    </p:spTree>
-  </p:cSld>
-  <p:clrMapOvr>
-    <a:masterClrMapping/>
-  </p:clrMapOvr>
-</p:notes>
-</file>
-
-<file path=ppt/notesSlides/notesSlide13.xml><?xml version="1.0" encoding="utf-8"?>
-<p:notes xmlns:a="http://schemas.openxmlformats.org/drawingml/2006/main" xmlns:r="http://schemas.openxmlformats.org/officeDocument/2006/relationships" xmlns:p="http://schemas.openxmlformats.org/presentationml/2006/main" showMasterSp="0" showMasterPhAnim="0">
-  <p:cSld>
-    <p:spTree>
-      <p:nvGrpSpPr>
         <p:cNvPr id="1" name="Shape 355"/>
         <p:cNvGrpSpPr/>
         <p:nvPr/>
@@ -1591,7 +1542,7 @@
 </p:notes>
 </file>
 
-<file path=ppt/notesSlides/notesSlide14.xml><?xml version="1.0" encoding="utf-8"?>
+<file path=ppt/notesSlides/notesSlide13.xml><?xml version="1.0" encoding="utf-8"?>
 <p:notes xmlns:a="http://schemas.openxmlformats.org/drawingml/2006/main" xmlns:r="http://schemas.openxmlformats.org/officeDocument/2006/relationships" xmlns:p="http://schemas.openxmlformats.org/presentationml/2006/main" showMasterSp="0" showMasterPhAnim="0">
   <p:cSld>
     <p:spTree>
@@ -1695,7 +1646,7 @@
 </p:notes>
 </file>
 
-<file path=ppt/notesSlides/notesSlide15.xml><?xml version="1.0" encoding="utf-8"?>
+<file path=ppt/notesSlides/notesSlide14.xml><?xml version="1.0" encoding="utf-8"?>
 <p:notes xmlns:a="http://schemas.openxmlformats.org/drawingml/2006/main" xmlns:r="http://schemas.openxmlformats.org/officeDocument/2006/relationships" xmlns:p="http://schemas.openxmlformats.org/presentationml/2006/main" showMasterSp="0" showMasterPhAnim="0">
   <p:cSld>
     <p:spTree>
@@ -1799,7 +1750,7 @@
 </p:notes>
 </file>
 
-<file path=ppt/notesSlides/notesSlide16.xml><?xml version="1.0" encoding="utf-8"?>
+<file path=ppt/notesSlides/notesSlide15.xml><?xml version="1.0" encoding="utf-8"?>
 <p:notes xmlns:a="http://schemas.openxmlformats.org/drawingml/2006/main" xmlns:r="http://schemas.openxmlformats.org/officeDocument/2006/relationships" xmlns:p="http://schemas.openxmlformats.org/presentationml/2006/main" showMasterSp="0" showMasterPhAnim="0">
   <p:cSld>
     <p:spTree>
@@ -1903,7 +1854,7 @@
 </p:notes>
 </file>
 
-<file path=ppt/notesSlides/notesSlide17.xml><?xml version="1.0" encoding="utf-8"?>
+<file path=ppt/notesSlides/notesSlide16.xml><?xml version="1.0" encoding="utf-8"?>
 <p:notes xmlns:a="http://schemas.openxmlformats.org/drawingml/2006/main" xmlns:r="http://schemas.openxmlformats.org/officeDocument/2006/relationships" xmlns:p="http://schemas.openxmlformats.org/presentationml/2006/main" showMasterSp="0" showMasterPhAnim="0">
   <p:cSld>
     <p:spTree>
@@ -2007,7 +1958,7 @@
 </p:notes>
 </file>
 
-<file path=ppt/notesSlides/notesSlide18.xml><?xml version="1.0" encoding="utf-8"?>
+<file path=ppt/notesSlides/notesSlide17.xml><?xml version="1.0" encoding="utf-8"?>
 <p:notes xmlns:a="http://schemas.openxmlformats.org/drawingml/2006/main" xmlns:r="http://schemas.openxmlformats.org/officeDocument/2006/relationships" xmlns:p="http://schemas.openxmlformats.org/presentationml/2006/main" showMasterSp="0" showMasterPhAnim="0">
   <p:cSld>
     <p:spTree>
@@ -2111,7 +2062,7 @@
 </p:notes>
 </file>
 
-<file path=ppt/notesSlides/notesSlide19.xml><?xml version="1.0" encoding="utf-8"?>
+<file path=ppt/notesSlides/notesSlide18.xml><?xml version="1.0" encoding="utf-8"?>
 <p:notes xmlns:a="http://schemas.openxmlformats.org/drawingml/2006/main" xmlns:r="http://schemas.openxmlformats.org/officeDocument/2006/relationships" xmlns:p="http://schemas.openxmlformats.org/presentationml/2006/main" showMasterSp="0" showMasterPhAnim="0">
   <p:cSld>
     <p:spTree>
@@ -2172,6 +2123,110 @@
       <p:sp>
         <p:nvSpPr>
           <p:cNvPr id="412" name="Google Shape;412;g2e600c261e3_0_4486:notes"/>
+          <p:cNvSpPr txBox="1">
+            <a:spLocks noGrp="1"/>
+          </p:cNvSpPr>
+          <p:nvPr>
+            <p:ph type="body" idx="1"/>
+          </p:nvPr>
+        </p:nvSpPr>
+        <p:spPr>
+          <a:xfrm>
+            <a:off x="685800" y="4343400"/>
+            <a:ext cx="5486400" cy="4114800"/>
+          </a:xfrm>
+          <a:prstGeom prst="rect">
+            <a:avLst/>
+          </a:prstGeom>
+        </p:spPr>
+        <p:txBody>
+          <a:bodyPr spcFirstLastPara="1" wrap="square" lIns="91425" tIns="91425" rIns="91425" bIns="91425" anchor="t" anchorCtr="0">
+            <a:noAutofit/>
+          </a:bodyPr>
+          <a:lstStyle/>
+          <a:p>
+            <a:pPr marL="0" lvl="0" indent="0" algn="l" rtl="0">
+              <a:spcBef>
+                <a:spcPts val="0"/>
+              </a:spcBef>
+              <a:spcAft>
+                <a:spcPts val="0"/>
+              </a:spcAft>
+              <a:buNone/>
+            </a:pPr>
+            <a:endParaRPr/>
+          </a:p>
+        </p:txBody>
+      </p:sp>
+    </p:spTree>
+  </p:cSld>
+  <p:clrMapOvr>
+    <a:masterClrMapping/>
+  </p:clrMapOvr>
+</p:notes>
+</file>
+
+<file path=ppt/notesSlides/notesSlide19.xml><?xml version="1.0" encoding="utf-8"?>
+<p:notes xmlns:a="http://schemas.openxmlformats.org/drawingml/2006/main" xmlns:r="http://schemas.openxmlformats.org/officeDocument/2006/relationships" xmlns:p="http://schemas.openxmlformats.org/presentationml/2006/main" showMasterSp="0" showMasterPhAnim="0">
+  <p:cSld>
+    <p:spTree>
+      <p:nvGrpSpPr>
+        <p:cNvPr id="1" name="Shape 417"/>
+        <p:cNvGrpSpPr/>
+        <p:nvPr/>
+      </p:nvGrpSpPr>
+      <p:grpSpPr>
+        <a:xfrm>
+          <a:off x="0" y="0"/>
+          <a:ext cx="0" cy="0"/>
+          <a:chOff x="0" y="0"/>
+          <a:chExt cx="0" cy="0"/>
+        </a:xfrm>
+      </p:grpSpPr>
+      <p:sp>
+        <p:nvSpPr>
+          <p:cNvPr id="418" name="Google Shape;418;g2e600c261e3_0_4496:notes"/>
+          <p:cNvSpPr>
+            <a:spLocks noGrp="1" noRot="1" noChangeAspect="1"/>
+          </p:cNvSpPr>
+          <p:nvPr>
+            <p:ph type="sldImg" idx="2"/>
+          </p:nvPr>
+        </p:nvSpPr>
+        <p:spPr>
+          <a:xfrm>
+            <a:off x="381000" y="685800"/>
+            <a:ext cx="6096000" cy="3429000"/>
+          </a:xfrm>
+          <a:custGeom>
+            <a:avLst/>
+            <a:gdLst/>
+            <a:ahLst/>
+            <a:cxnLst/>
+            <a:rect l="l" t="t" r="r" b="b"/>
+            <a:pathLst>
+              <a:path w="120000" h="120000" extrusionOk="0">
+                <a:moveTo>
+                  <a:pt x="0" y="0"/>
+                </a:moveTo>
+                <a:lnTo>
+                  <a:pt x="120000" y="0"/>
+                </a:lnTo>
+                <a:lnTo>
+                  <a:pt x="120000" y="120000"/>
+                </a:lnTo>
+                <a:lnTo>
+                  <a:pt x="0" y="120000"/>
+                </a:lnTo>
+                <a:close/>
+              </a:path>
+            </a:pathLst>
+          </a:custGeom>
+        </p:spPr>
+      </p:sp>
+      <p:sp>
+        <p:nvSpPr>
+          <p:cNvPr id="419" name="Google Shape;419;g2e600c261e3_0_4496:notes"/>
           <p:cNvSpPr txBox="1">
             <a:spLocks noGrp="1"/>
           </p:cNvSpPr>
@@ -2347,110 +2402,6 @@
   <p:cSld>
     <p:spTree>
       <p:nvGrpSpPr>
-        <p:cNvPr id="1" name="Shape 417"/>
-        <p:cNvGrpSpPr/>
-        <p:nvPr/>
-      </p:nvGrpSpPr>
-      <p:grpSpPr>
-        <a:xfrm>
-          <a:off x="0" y="0"/>
-          <a:ext cx="0" cy="0"/>
-          <a:chOff x="0" y="0"/>
-          <a:chExt cx="0" cy="0"/>
-        </a:xfrm>
-      </p:grpSpPr>
-      <p:sp>
-        <p:nvSpPr>
-          <p:cNvPr id="418" name="Google Shape;418;g2e600c261e3_0_4496:notes"/>
-          <p:cNvSpPr>
-            <a:spLocks noGrp="1" noRot="1" noChangeAspect="1"/>
-          </p:cNvSpPr>
-          <p:nvPr>
-            <p:ph type="sldImg" idx="2"/>
-          </p:nvPr>
-        </p:nvSpPr>
-        <p:spPr>
-          <a:xfrm>
-            <a:off x="381000" y="685800"/>
-            <a:ext cx="6096000" cy="3429000"/>
-          </a:xfrm>
-          <a:custGeom>
-            <a:avLst/>
-            <a:gdLst/>
-            <a:ahLst/>
-            <a:cxnLst/>
-            <a:rect l="l" t="t" r="r" b="b"/>
-            <a:pathLst>
-              <a:path w="120000" h="120000" extrusionOk="0">
-                <a:moveTo>
-                  <a:pt x="0" y="0"/>
-                </a:moveTo>
-                <a:lnTo>
-                  <a:pt x="120000" y="0"/>
-                </a:lnTo>
-                <a:lnTo>
-                  <a:pt x="120000" y="120000"/>
-                </a:lnTo>
-                <a:lnTo>
-                  <a:pt x="0" y="120000"/>
-                </a:lnTo>
-                <a:close/>
-              </a:path>
-            </a:pathLst>
-          </a:custGeom>
-        </p:spPr>
-      </p:sp>
-      <p:sp>
-        <p:nvSpPr>
-          <p:cNvPr id="419" name="Google Shape;419;g2e600c261e3_0_4496:notes"/>
-          <p:cNvSpPr txBox="1">
-            <a:spLocks noGrp="1"/>
-          </p:cNvSpPr>
-          <p:nvPr>
-            <p:ph type="body" idx="1"/>
-          </p:nvPr>
-        </p:nvSpPr>
-        <p:spPr>
-          <a:xfrm>
-            <a:off x="685800" y="4343400"/>
-            <a:ext cx="5486400" cy="4114800"/>
-          </a:xfrm>
-          <a:prstGeom prst="rect">
-            <a:avLst/>
-          </a:prstGeom>
-        </p:spPr>
-        <p:txBody>
-          <a:bodyPr spcFirstLastPara="1" wrap="square" lIns="91425" tIns="91425" rIns="91425" bIns="91425" anchor="t" anchorCtr="0">
-            <a:noAutofit/>
-          </a:bodyPr>
-          <a:lstStyle/>
-          <a:p>
-            <a:pPr marL="0" lvl="0" indent="0" algn="l" rtl="0">
-              <a:spcBef>
-                <a:spcPts val="0"/>
-              </a:spcBef>
-              <a:spcAft>
-                <a:spcPts val="0"/>
-              </a:spcAft>
-              <a:buNone/>
-            </a:pPr>
-            <a:endParaRPr/>
-          </a:p>
-        </p:txBody>
-      </p:sp>
-    </p:spTree>
-  </p:cSld>
-  <p:clrMapOvr>
-    <a:masterClrMapping/>
-  </p:clrMapOvr>
-</p:notes>
-</file>
-
-<file path=ppt/notesSlides/notesSlide21.xml><?xml version="1.0" encoding="utf-8"?>
-<p:notes xmlns:a="http://schemas.openxmlformats.org/drawingml/2006/main" xmlns:r="http://schemas.openxmlformats.org/officeDocument/2006/relationships" xmlns:p="http://schemas.openxmlformats.org/presentationml/2006/main" showMasterSp="0" showMasterPhAnim="0">
-  <p:cSld>
-    <p:spTree>
-      <p:nvGrpSpPr>
         <p:cNvPr id="1" name="Shape 488"/>
         <p:cNvGrpSpPr/>
         <p:nvPr/>
@@ -2550,7 +2501,7 @@
 </p:notes>
 </file>
 
-<file path=ppt/notesSlides/notesSlide22.xml><?xml version="1.0" encoding="utf-8"?>
+<file path=ppt/notesSlides/notesSlide21.xml><?xml version="1.0" encoding="utf-8"?>
 <p:notes xmlns:a="http://schemas.openxmlformats.org/drawingml/2006/main" xmlns:r="http://schemas.openxmlformats.org/officeDocument/2006/relationships" xmlns:p="http://schemas.openxmlformats.org/presentationml/2006/main" showMasterSp="0" showMasterPhAnim="0">
   <p:cSld>
     <p:spTree>
@@ -2647,6 +2598,133 @@
         </p:txBody>
       </p:sp>
     </p:spTree>
+  </p:cSld>
+  <p:clrMapOvr>
+    <a:masterClrMapping/>
+  </p:clrMapOvr>
+</p:notes>
+</file>
+
+<file path=ppt/notesSlides/notesSlide22.xml><?xml version="1.0" encoding="utf-8"?>
+<p:notes xmlns:a="http://schemas.openxmlformats.org/drawingml/2006/main" xmlns:r="http://schemas.openxmlformats.org/officeDocument/2006/relationships" xmlns:p="http://schemas.openxmlformats.org/presentationml/2006/main" showMasterSp="0" showMasterPhAnim="0">
+  <p:cSld>
+    <p:spTree>
+      <p:nvGrpSpPr>
+        <p:cNvPr id="1" name="Shape 495">
+          <a:extLst>
+            <a:ext uri="{FF2B5EF4-FFF2-40B4-BE49-F238E27FC236}">
+              <a16:creationId xmlns:a16="http://schemas.microsoft.com/office/drawing/2014/main" id="{92A9AAB3-5488-3A4B-D885-13B56B342BCC}"/>
+            </a:ext>
+          </a:extLst>
+        </p:cNvPr>
+        <p:cNvGrpSpPr/>
+        <p:nvPr/>
+      </p:nvGrpSpPr>
+      <p:grpSpPr>
+        <a:xfrm>
+          <a:off x="0" y="0"/>
+          <a:ext cx="0" cy="0"/>
+          <a:chOff x="0" y="0"/>
+          <a:chExt cx="0" cy="0"/>
+        </a:xfrm>
+      </p:grpSpPr>
+      <p:sp>
+        <p:nvSpPr>
+          <p:cNvPr id="496" name="Google Shape;496;g2e61dfd4150_1_7:notes">
+            <a:extLst>
+              <a:ext uri="{FF2B5EF4-FFF2-40B4-BE49-F238E27FC236}">
+                <a16:creationId xmlns:a16="http://schemas.microsoft.com/office/drawing/2014/main" id="{DEA1F94A-DC0D-48C7-774C-5A4DE5E6C03E}"/>
+              </a:ext>
+            </a:extLst>
+          </p:cNvPr>
+          <p:cNvSpPr>
+            <a:spLocks noGrp="1" noRot="1" noChangeAspect="1"/>
+          </p:cNvSpPr>
+          <p:nvPr>
+            <p:ph type="sldImg" idx="2"/>
+          </p:nvPr>
+        </p:nvSpPr>
+        <p:spPr>
+          <a:xfrm>
+            <a:off x="381000" y="685800"/>
+            <a:ext cx="6096000" cy="3429000"/>
+          </a:xfrm>
+          <a:custGeom>
+            <a:avLst/>
+            <a:gdLst/>
+            <a:ahLst/>
+            <a:cxnLst/>
+            <a:rect l="l" t="t" r="r" b="b"/>
+            <a:pathLst>
+              <a:path w="120000" h="120000" extrusionOk="0">
+                <a:moveTo>
+                  <a:pt x="0" y="0"/>
+                </a:moveTo>
+                <a:lnTo>
+                  <a:pt x="120000" y="0"/>
+                </a:lnTo>
+                <a:lnTo>
+                  <a:pt x="120000" y="120000"/>
+                </a:lnTo>
+                <a:lnTo>
+                  <a:pt x="0" y="120000"/>
+                </a:lnTo>
+                <a:close/>
+              </a:path>
+            </a:pathLst>
+          </a:custGeom>
+        </p:spPr>
+      </p:sp>
+      <p:sp>
+        <p:nvSpPr>
+          <p:cNvPr id="497" name="Google Shape;497;g2e61dfd4150_1_7:notes">
+            <a:extLst>
+              <a:ext uri="{FF2B5EF4-FFF2-40B4-BE49-F238E27FC236}">
+                <a16:creationId xmlns:a16="http://schemas.microsoft.com/office/drawing/2014/main" id="{519D3928-8CD3-46CD-12AA-4C8194A0AAB4}"/>
+              </a:ext>
+            </a:extLst>
+          </p:cNvPr>
+          <p:cNvSpPr txBox="1">
+            <a:spLocks noGrp="1"/>
+          </p:cNvSpPr>
+          <p:nvPr>
+            <p:ph type="body" idx="1"/>
+          </p:nvPr>
+        </p:nvSpPr>
+        <p:spPr>
+          <a:xfrm>
+            <a:off x="685800" y="4343400"/>
+            <a:ext cx="5486400" cy="4114800"/>
+          </a:xfrm>
+          <a:prstGeom prst="rect">
+            <a:avLst/>
+          </a:prstGeom>
+        </p:spPr>
+        <p:txBody>
+          <a:bodyPr spcFirstLastPara="1" wrap="square" lIns="91425" tIns="91425" rIns="91425" bIns="91425" anchor="t" anchorCtr="0">
+            <a:noAutofit/>
+          </a:bodyPr>
+          <a:lstStyle/>
+          <a:p>
+            <a:pPr marL="0" lvl="0" indent="0" algn="l" rtl="0">
+              <a:spcBef>
+                <a:spcPts val="0"/>
+              </a:spcBef>
+              <a:spcAft>
+                <a:spcPts val="0"/>
+              </a:spcAft>
+              <a:buNone/>
+            </a:pPr>
+            <a:endParaRPr/>
+          </a:p>
+        </p:txBody>
+      </p:sp>
+    </p:spTree>
+    <p:extLst>
+      <p:ext uri="{BB962C8B-B14F-4D97-AF65-F5344CB8AC3E}">
+        <p14:creationId xmlns:p14="http://schemas.microsoft.com/office/powerpoint/2010/main" val="2346218393"/>
+      </p:ext>
+    </p:extLst>
   </p:cSld>
   <p:clrMapOvr>
     <a:masterClrMapping/>
@@ -17844,157 +17922,6 @@
   <p:cSld>
     <p:spTree>
       <p:nvGrpSpPr>
-        <p:cNvPr id="1" name="Shape 351"/>
-        <p:cNvGrpSpPr/>
-        <p:nvPr/>
-      </p:nvGrpSpPr>
-      <p:grpSpPr>
-        <a:xfrm>
-          <a:off x="0" y="0"/>
-          <a:ext cx="0" cy="0"/>
-          <a:chOff x="0" y="0"/>
-          <a:chExt cx="0" cy="0"/>
-        </a:xfrm>
-      </p:grpSpPr>
-      <p:sp>
-        <p:nvSpPr>
-          <p:cNvPr id="352" name="Google Shape;352;p23"/>
-          <p:cNvSpPr txBox="1">
-            <a:spLocks noGrp="1"/>
-          </p:cNvSpPr>
-          <p:nvPr>
-            <p:ph type="title"/>
-          </p:nvPr>
-        </p:nvSpPr>
-        <p:spPr>
-          <a:xfrm>
-            <a:off x="1303808" y="322860"/>
-            <a:ext cx="7030500" cy="817800"/>
-          </a:xfrm>
-          <a:prstGeom prst="rect">
-            <a:avLst/>
-          </a:prstGeom>
-        </p:spPr>
-        <p:txBody>
-          <a:bodyPr spcFirstLastPara="1" wrap="square" lIns="91425" tIns="91425" rIns="91425" bIns="91425" anchor="t" anchorCtr="0">
-            <a:normAutofit/>
-          </a:bodyPr>
-          <a:lstStyle/>
-          <a:p>
-            <a:pPr marL="0" lvl="0" indent="0" algn="l" rtl="0">
-              <a:spcBef>
-                <a:spcPts val="0"/>
-              </a:spcBef>
-              <a:spcAft>
-                <a:spcPts val="0"/>
-              </a:spcAft>
-              <a:buNone/>
-            </a:pPr>
-            <a:r>
-              <a:rPr lang="en"/>
-              <a:t>Startup Tool Budgets for data analysis</a:t>
-            </a:r>
-            <a:endParaRPr/>
-          </a:p>
-        </p:txBody>
-      </p:sp>
-      <p:sp>
-        <p:nvSpPr>
-          <p:cNvPr id="353" name="Google Shape;353;p23"/>
-          <p:cNvSpPr txBox="1">
-            <a:spLocks noGrp="1"/>
-          </p:cNvSpPr>
-          <p:nvPr>
-            <p:ph type="body" idx="1"/>
-          </p:nvPr>
-        </p:nvSpPr>
-        <p:spPr>
-          <a:xfrm>
-            <a:off x="1303800" y="1140650"/>
-            <a:ext cx="7030500" cy="3390900"/>
-          </a:xfrm>
-          <a:prstGeom prst="rect">
-            <a:avLst/>
-          </a:prstGeom>
-        </p:spPr>
-        <p:txBody>
-          <a:bodyPr spcFirstLastPara="1" wrap="square" lIns="91425" tIns="91425" rIns="91425" bIns="91425" anchor="t" anchorCtr="0">
-            <a:normAutofit/>
-          </a:bodyPr>
-          <a:lstStyle/>
-          <a:p>
-            <a:pPr marL="0" lvl="0" indent="0" algn="l" rtl="0">
-              <a:spcBef>
-                <a:spcPts val="0"/>
-              </a:spcBef>
-              <a:spcAft>
-                <a:spcPts val="1200"/>
-              </a:spcAft>
-              <a:buNone/>
-            </a:pPr>
-            <a:r>
-              <a:rPr lang="en-US" dirty="0"/>
-              <a:t>Looks like the Beetles White Album</a:t>
-            </a:r>
-            <a:endParaRPr dirty="0"/>
-          </a:p>
-        </p:txBody>
-      </p:sp>
-      <p:sp>
-        <p:nvSpPr>
-          <p:cNvPr id="354" name="Google Shape;354;p23"/>
-          <p:cNvSpPr txBox="1">
-            <a:spLocks noGrp="1"/>
-          </p:cNvSpPr>
-          <p:nvPr>
-            <p:ph type="sldNum" idx="12"/>
-          </p:nvPr>
-        </p:nvSpPr>
-        <p:spPr>
-          <a:xfrm>
-            <a:off x="8451046" y="4736976"/>
-            <a:ext cx="548700" cy="393600"/>
-          </a:xfrm>
-          <a:prstGeom prst="rect">
-            <a:avLst/>
-          </a:prstGeom>
-        </p:spPr>
-        <p:txBody>
-          <a:bodyPr spcFirstLastPara="1" wrap="square" lIns="91425" tIns="91425" rIns="91425" bIns="91425" anchor="ctr" anchorCtr="0">
-            <a:normAutofit/>
-          </a:bodyPr>
-          <a:lstStyle/>
-          <a:p>
-            <a:pPr marL="0" lvl="0" indent="0" algn="r" rtl="0">
-              <a:spcBef>
-                <a:spcPts val="0"/>
-              </a:spcBef>
-              <a:spcAft>
-                <a:spcPts val="0"/>
-              </a:spcAft>
-              <a:buNone/>
-            </a:pPr>
-            <a:fld id="{00000000-1234-1234-1234-123412341234}" type="slidenum">
-              <a:rPr lang="en"/>
-              <a:t>12</a:t>
-            </a:fld>
-            <a:endParaRPr/>
-          </a:p>
-        </p:txBody>
-      </p:sp>
-    </p:spTree>
-  </p:cSld>
-  <p:clrMapOvr>
-    <a:masterClrMapping/>
-  </p:clrMapOvr>
-</p:sld>
-</file>
-
-<file path=ppt/slides/slide13.xml><?xml version="1.0" encoding="utf-8"?>
-<p:sld xmlns:a="http://schemas.openxmlformats.org/drawingml/2006/main" xmlns:r="http://schemas.openxmlformats.org/officeDocument/2006/relationships" xmlns:p="http://schemas.openxmlformats.org/presentationml/2006/main">
-  <p:cSld>
-    <p:spTree>
-      <p:nvGrpSpPr>
         <p:cNvPr id="1" name="Shape 358"/>
         <p:cNvGrpSpPr/>
         <p:nvPr/>
@@ -18243,7 +18170,7 @@
             </a:pPr>
             <a:fld id="{00000000-1234-1234-1234-123412341234}" type="slidenum">
               <a:rPr lang="en"/>
-              <a:t>13</a:t>
+              <a:t>12</a:t>
             </a:fld>
             <a:endParaRPr/>
           </a:p>
@@ -18257,7 +18184,7 @@
 </p:sld>
 </file>
 
-<file path=ppt/slides/slide14.xml><?xml version="1.0" encoding="utf-8"?>
+<file path=ppt/slides/slide13.xml><?xml version="1.0" encoding="utf-8"?>
 <p:sld xmlns:a="http://schemas.openxmlformats.org/drawingml/2006/main" xmlns:r="http://schemas.openxmlformats.org/officeDocument/2006/relationships" xmlns:p="http://schemas.openxmlformats.org/presentationml/2006/main">
   <p:cSld>
     <p:spTree>
@@ -18352,7 +18279,7 @@
             </a:pPr>
             <a:fld id="{00000000-1234-1234-1234-123412341234}" type="slidenum">
               <a:rPr lang="en"/>
-              <a:t>14</a:t>
+              <a:t>13</a:t>
             </a:fld>
             <a:endParaRPr/>
           </a:p>
@@ -18394,7 +18321,7 @@
 </p:sld>
 </file>
 
-<file path=ppt/slides/slide15.xml><?xml version="1.0" encoding="utf-8"?>
+<file path=ppt/slides/slide14.xml><?xml version="1.0" encoding="utf-8"?>
 <p:sld xmlns:a="http://schemas.openxmlformats.org/drawingml/2006/main" xmlns:r="http://schemas.openxmlformats.org/officeDocument/2006/relationships" xmlns:p="http://schemas.openxmlformats.org/presentationml/2006/main">
   <p:cSld>
     <p:spTree>
@@ -18573,7 +18500,7 @@
             </a:pPr>
             <a:fld id="{00000000-1234-1234-1234-123412341234}" type="slidenum">
               <a:rPr lang="en"/>
-              <a:t>15</a:t>
+              <a:t>14</a:t>
             </a:fld>
             <a:endParaRPr/>
           </a:p>
@@ -18587,7 +18514,7 @@
 </p:sld>
 </file>
 
-<file path=ppt/slides/slide16.xml><?xml version="1.0" encoding="utf-8"?>
+<file path=ppt/slides/slide15.xml><?xml version="1.0" encoding="utf-8"?>
 <p:sld xmlns:a="http://schemas.openxmlformats.org/drawingml/2006/main" xmlns:r="http://schemas.openxmlformats.org/officeDocument/2006/relationships" xmlns:p="http://schemas.openxmlformats.org/presentationml/2006/main">
   <p:cSld>
     <p:spTree>
@@ -18880,7 +18807,7 @@
             </a:pPr>
             <a:fld id="{00000000-1234-1234-1234-123412341234}" type="slidenum">
               <a:rPr lang="en"/>
-              <a:t>16</a:t>
+              <a:t>15</a:t>
             </a:fld>
             <a:endParaRPr/>
           </a:p>
@@ -18894,7 +18821,7 @@
 </p:sld>
 </file>
 
-<file path=ppt/slides/slide17.xml><?xml version="1.0" encoding="utf-8"?>
+<file path=ppt/slides/slide16.xml><?xml version="1.0" encoding="utf-8"?>
 <p:sld xmlns:a="http://schemas.openxmlformats.org/drawingml/2006/main" xmlns:r="http://schemas.openxmlformats.org/officeDocument/2006/relationships" xmlns:p="http://schemas.openxmlformats.org/presentationml/2006/main">
   <p:cSld>
     <p:spTree>
@@ -18989,7 +18916,7 @@
             </a:pPr>
             <a:fld id="{00000000-1234-1234-1234-123412341234}" type="slidenum">
               <a:rPr lang="en"/>
-              <a:t>17</a:t>
+              <a:t>16</a:t>
             </a:fld>
             <a:endParaRPr/>
           </a:p>
@@ -19031,7 +18958,7 @@
 </p:sld>
 </file>
 
-<file path=ppt/slides/slide18.xml><?xml version="1.0" encoding="utf-8"?>
+<file path=ppt/slides/slide17.xml><?xml version="1.0" encoding="utf-8"?>
 <p:sld xmlns:a="http://schemas.openxmlformats.org/drawingml/2006/main" xmlns:r="http://schemas.openxmlformats.org/officeDocument/2006/relationships" xmlns:p="http://schemas.openxmlformats.org/presentationml/2006/main">
   <p:cSld>
     <p:spTree>
@@ -19220,7 +19147,7 @@
             </a:pPr>
             <a:fld id="{00000000-1234-1234-1234-123412341234}" type="slidenum">
               <a:rPr lang="en"/>
-              <a:t>18</a:t>
+              <a:t>17</a:t>
             </a:fld>
             <a:endParaRPr/>
           </a:p>
@@ -19234,7 +19161,7 @@
 </p:sld>
 </file>
 
-<file path=ppt/slides/slide19.xml><?xml version="1.0" encoding="utf-8"?>
+<file path=ppt/slides/slide18.xml><?xml version="1.0" encoding="utf-8"?>
 <p:sld xmlns:a="http://schemas.openxmlformats.org/drawingml/2006/main" xmlns:r="http://schemas.openxmlformats.org/officeDocument/2006/relationships" xmlns:p="http://schemas.openxmlformats.org/presentationml/2006/main">
   <p:cSld>
     <p:spTree>
@@ -19339,6 +19266,193 @@
       <p:sp>
         <p:nvSpPr>
           <p:cNvPr id="416" name="Google Shape;416;p31"/>
+          <p:cNvSpPr txBox="1">
+            <a:spLocks noGrp="1"/>
+          </p:cNvSpPr>
+          <p:nvPr>
+            <p:ph type="sldNum" idx="12"/>
+          </p:nvPr>
+        </p:nvSpPr>
+        <p:spPr>
+          <a:xfrm>
+            <a:off x="8451046" y="4736976"/>
+            <a:ext cx="548700" cy="393600"/>
+          </a:xfrm>
+          <a:prstGeom prst="rect">
+            <a:avLst/>
+          </a:prstGeom>
+        </p:spPr>
+        <p:txBody>
+          <a:bodyPr spcFirstLastPara="1" wrap="square" lIns="91425" tIns="91425" rIns="91425" bIns="91425" anchor="ctr" anchorCtr="0">
+            <a:normAutofit/>
+          </a:bodyPr>
+          <a:lstStyle/>
+          <a:p>
+            <a:pPr marL="0" lvl="0" indent="0" algn="r" rtl="0">
+              <a:spcBef>
+                <a:spcPts val="0"/>
+              </a:spcBef>
+              <a:spcAft>
+                <a:spcPts val="0"/>
+              </a:spcAft>
+              <a:buNone/>
+            </a:pPr>
+            <a:fld id="{00000000-1234-1234-1234-123412341234}" type="slidenum">
+              <a:rPr lang="en"/>
+              <a:t>18</a:t>
+            </a:fld>
+            <a:endParaRPr/>
+          </a:p>
+        </p:txBody>
+      </p:sp>
+    </p:spTree>
+  </p:cSld>
+  <p:clrMapOvr>
+    <a:masterClrMapping/>
+  </p:clrMapOvr>
+</p:sld>
+</file>
+
+<file path=ppt/slides/slide19.xml><?xml version="1.0" encoding="utf-8"?>
+<p:sld xmlns:a="http://schemas.openxmlformats.org/drawingml/2006/main" xmlns:r="http://schemas.openxmlformats.org/officeDocument/2006/relationships" xmlns:p="http://schemas.openxmlformats.org/presentationml/2006/main">
+  <p:cSld>
+    <p:spTree>
+      <p:nvGrpSpPr>
+        <p:cNvPr id="1" name="Shape 420"/>
+        <p:cNvGrpSpPr/>
+        <p:nvPr/>
+      </p:nvGrpSpPr>
+      <p:grpSpPr>
+        <a:xfrm>
+          <a:off x="0" y="0"/>
+          <a:ext cx="0" cy="0"/>
+          <a:chOff x="0" y="0"/>
+          <a:chExt cx="0" cy="0"/>
+        </a:xfrm>
+      </p:grpSpPr>
+      <p:sp>
+        <p:nvSpPr>
+          <p:cNvPr id="421" name="Google Shape;421;p32"/>
+          <p:cNvSpPr txBox="1">
+            <a:spLocks noGrp="1"/>
+          </p:cNvSpPr>
+          <p:nvPr>
+            <p:ph type="title"/>
+          </p:nvPr>
+        </p:nvSpPr>
+        <p:spPr>
+          <a:xfrm>
+            <a:off x="1303808" y="374960"/>
+            <a:ext cx="7030500" cy="817800"/>
+          </a:xfrm>
+          <a:prstGeom prst="rect">
+            <a:avLst/>
+          </a:prstGeom>
+        </p:spPr>
+        <p:txBody>
+          <a:bodyPr spcFirstLastPara="1" wrap="square" lIns="91425" tIns="91425" rIns="91425" bIns="91425" anchor="t" anchorCtr="0">
+            <a:normAutofit/>
+          </a:bodyPr>
+          <a:lstStyle/>
+          <a:p>
+            <a:pPr marL="0" lvl="0" indent="0" algn="l" rtl="0">
+              <a:spcBef>
+                <a:spcPts val="0"/>
+              </a:spcBef>
+              <a:spcAft>
+                <a:spcPts val="0"/>
+              </a:spcAft>
+              <a:buNone/>
+            </a:pPr>
+            <a:r>
+              <a:rPr lang="en"/>
+              <a:t>Box Plot (seaborn)</a:t>
+            </a:r>
+            <a:endParaRPr/>
+          </a:p>
+        </p:txBody>
+      </p:sp>
+      <p:pic>
+        <p:nvPicPr>
+          <p:cNvPr id="422" name="Google Shape;422;p32"/>
+          <p:cNvPicPr preferRelativeResize="0"/>
+          <p:nvPr/>
+        </p:nvPicPr>
+        <p:blipFill rotWithShape="1">
+          <a:blip r:embed="rId3">
+            <a:alphaModFix/>
+          </a:blip>
+          <a:srcRect t="6620"/>
+          <a:stretch/>
+        </p:blipFill>
+        <p:spPr>
+          <a:xfrm>
+            <a:off x="492000" y="954575"/>
+            <a:ext cx="7517249" cy="3861650"/>
+          </a:xfrm>
+          <a:prstGeom prst="rect">
+            <a:avLst/>
+          </a:prstGeom>
+          <a:noFill/>
+          <a:ln>
+            <a:noFill/>
+          </a:ln>
+        </p:spPr>
+      </p:pic>
+      <p:sp>
+        <p:nvSpPr>
+          <p:cNvPr id="423" name="Google Shape;423;p32"/>
+          <p:cNvSpPr/>
+          <p:nvPr/>
+        </p:nvSpPr>
+        <p:spPr>
+          <a:xfrm>
+            <a:off x="3007200" y="4570350"/>
+            <a:ext cx="483900" cy="156300"/>
+          </a:xfrm>
+          <a:prstGeom prst="rect">
+            <a:avLst/>
+          </a:prstGeom>
+          <a:solidFill>
+            <a:schemeClr val="lt1"/>
+          </a:solidFill>
+          <a:ln w="9525" cap="flat" cmpd="sng">
+            <a:solidFill>
+              <a:schemeClr val="lt1"/>
+            </a:solidFill>
+            <a:prstDash val="solid"/>
+            <a:round/>
+            <a:headEnd type="none" w="sm" len="sm"/>
+            <a:tailEnd type="none" w="sm" len="sm"/>
+          </a:ln>
+        </p:spPr>
+        <p:txBody>
+          <a:bodyPr spcFirstLastPara="1" wrap="square" lIns="91425" tIns="91425" rIns="91425" bIns="91425" anchor="ctr" anchorCtr="0">
+            <a:noAutofit/>
+          </a:bodyPr>
+          <a:lstStyle/>
+          <a:p>
+            <a:pPr marL="0" lvl="0" indent="0" algn="ctr" rtl="0">
+              <a:spcBef>
+                <a:spcPts val="0"/>
+              </a:spcBef>
+              <a:spcAft>
+                <a:spcPts val="0"/>
+              </a:spcAft>
+              <a:buNone/>
+            </a:pPr>
+            <a:endParaRPr>
+              <a:latin typeface="Nunito"/>
+              <a:ea typeface="Nunito"/>
+              <a:cs typeface="Nunito"/>
+              <a:sym typeface="Nunito"/>
+            </a:endParaRPr>
+          </a:p>
+        </p:txBody>
+      </p:sp>
+      <p:sp>
+        <p:nvSpPr>
+          <p:cNvPr id="424" name="Google Shape;424;p32"/>
           <p:cNvSpPr txBox="1">
             <a:spLocks noGrp="1"/>
           </p:cNvSpPr>
@@ -19681,193 +19795,6 @@
   <p:cSld>
     <p:spTree>
       <p:nvGrpSpPr>
-        <p:cNvPr id="1" name="Shape 420"/>
-        <p:cNvGrpSpPr/>
-        <p:nvPr/>
-      </p:nvGrpSpPr>
-      <p:grpSpPr>
-        <a:xfrm>
-          <a:off x="0" y="0"/>
-          <a:ext cx="0" cy="0"/>
-          <a:chOff x="0" y="0"/>
-          <a:chExt cx="0" cy="0"/>
-        </a:xfrm>
-      </p:grpSpPr>
-      <p:sp>
-        <p:nvSpPr>
-          <p:cNvPr id="421" name="Google Shape;421;p32"/>
-          <p:cNvSpPr txBox="1">
-            <a:spLocks noGrp="1"/>
-          </p:cNvSpPr>
-          <p:nvPr>
-            <p:ph type="title"/>
-          </p:nvPr>
-        </p:nvSpPr>
-        <p:spPr>
-          <a:xfrm>
-            <a:off x="1303808" y="374960"/>
-            <a:ext cx="7030500" cy="817800"/>
-          </a:xfrm>
-          <a:prstGeom prst="rect">
-            <a:avLst/>
-          </a:prstGeom>
-        </p:spPr>
-        <p:txBody>
-          <a:bodyPr spcFirstLastPara="1" wrap="square" lIns="91425" tIns="91425" rIns="91425" bIns="91425" anchor="t" anchorCtr="0">
-            <a:normAutofit/>
-          </a:bodyPr>
-          <a:lstStyle/>
-          <a:p>
-            <a:pPr marL="0" lvl="0" indent="0" algn="l" rtl="0">
-              <a:spcBef>
-                <a:spcPts val="0"/>
-              </a:spcBef>
-              <a:spcAft>
-                <a:spcPts val="0"/>
-              </a:spcAft>
-              <a:buNone/>
-            </a:pPr>
-            <a:r>
-              <a:rPr lang="en"/>
-              <a:t>Box Plot (seaborn)</a:t>
-            </a:r>
-            <a:endParaRPr/>
-          </a:p>
-        </p:txBody>
-      </p:sp>
-      <p:pic>
-        <p:nvPicPr>
-          <p:cNvPr id="422" name="Google Shape;422;p32"/>
-          <p:cNvPicPr preferRelativeResize="0"/>
-          <p:nvPr/>
-        </p:nvPicPr>
-        <p:blipFill rotWithShape="1">
-          <a:blip r:embed="rId3">
-            <a:alphaModFix/>
-          </a:blip>
-          <a:srcRect t="6620"/>
-          <a:stretch/>
-        </p:blipFill>
-        <p:spPr>
-          <a:xfrm>
-            <a:off x="492000" y="954575"/>
-            <a:ext cx="7517249" cy="3861650"/>
-          </a:xfrm>
-          <a:prstGeom prst="rect">
-            <a:avLst/>
-          </a:prstGeom>
-          <a:noFill/>
-          <a:ln>
-            <a:noFill/>
-          </a:ln>
-        </p:spPr>
-      </p:pic>
-      <p:sp>
-        <p:nvSpPr>
-          <p:cNvPr id="423" name="Google Shape;423;p32"/>
-          <p:cNvSpPr/>
-          <p:nvPr/>
-        </p:nvSpPr>
-        <p:spPr>
-          <a:xfrm>
-            <a:off x="3007200" y="4570350"/>
-            <a:ext cx="483900" cy="156300"/>
-          </a:xfrm>
-          <a:prstGeom prst="rect">
-            <a:avLst/>
-          </a:prstGeom>
-          <a:solidFill>
-            <a:schemeClr val="lt1"/>
-          </a:solidFill>
-          <a:ln w="9525" cap="flat" cmpd="sng">
-            <a:solidFill>
-              <a:schemeClr val="lt1"/>
-            </a:solidFill>
-            <a:prstDash val="solid"/>
-            <a:round/>
-            <a:headEnd type="none" w="sm" len="sm"/>
-            <a:tailEnd type="none" w="sm" len="sm"/>
-          </a:ln>
-        </p:spPr>
-        <p:txBody>
-          <a:bodyPr spcFirstLastPara="1" wrap="square" lIns="91425" tIns="91425" rIns="91425" bIns="91425" anchor="ctr" anchorCtr="0">
-            <a:noAutofit/>
-          </a:bodyPr>
-          <a:lstStyle/>
-          <a:p>
-            <a:pPr marL="0" lvl="0" indent="0" algn="ctr" rtl="0">
-              <a:spcBef>
-                <a:spcPts val="0"/>
-              </a:spcBef>
-              <a:spcAft>
-                <a:spcPts val="0"/>
-              </a:spcAft>
-              <a:buNone/>
-            </a:pPr>
-            <a:endParaRPr>
-              <a:latin typeface="Nunito"/>
-              <a:ea typeface="Nunito"/>
-              <a:cs typeface="Nunito"/>
-              <a:sym typeface="Nunito"/>
-            </a:endParaRPr>
-          </a:p>
-        </p:txBody>
-      </p:sp>
-      <p:sp>
-        <p:nvSpPr>
-          <p:cNvPr id="424" name="Google Shape;424;p32"/>
-          <p:cNvSpPr txBox="1">
-            <a:spLocks noGrp="1"/>
-          </p:cNvSpPr>
-          <p:nvPr>
-            <p:ph type="sldNum" idx="12"/>
-          </p:nvPr>
-        </p:nvSpPr>
-        <p:spPr>
-          <a:xfrm>
-            <a:off x="8451046" y="4736976"/>
-            <a:ext cx="548700" cy="393600"/>
-          </a:xfrm>
-          <a:prstGeom prst="rect">
-            <a:avLst/>
-          </a:prstGeom>
-        </p:spPr>
-        <p:txBody>
-          <a:bodyPr spcFirstLastPara="1" wrap="square" lIns="91425" tIns="91425" rIns="91425" bIns="91425" anchor="ctr" anchorCtr="0">
-            <a:normAutofit/>
-          </a:bodyPr>
-          <a:lstStyle/>
-          <a:p>
-            <a:pPr marL="0" lvl="0" indent="0" algn="r" rtl="0">
-              <a:spcBef>
-                <a:spcPts val="0"/>
-              </a:spcBef>
-              <a:spcAft>
-                <a:spcPts val="0"/>
-              </a:spcAft>
-              <a:buNone/>
-            </a:pPr>
-            <a:fld id="{00000000-1234-1234-1234-123412341234}" type="slidenum">
-              <a:rPr lang="en"/>
-              <a:t>20</a:t>
-            </a:fld>
-            <a:endParaRPr/>
-          </a:p>
-        </p:txBody>
-      </p:sp>
-    </p:spTree>
-  </p:cSld>
-  <p:clrMapOvr>
-    <a:masterClrMapping/>
-  </p:clrMapOvr>
-</p:sld>
-</file>
-
-<file path=ppt/slides/slide21.xml><?xml version="1.0" encoding="utf-8"?>
-<p:sld xmlns:a="http://schemas.openxmlformats.org/drawingml/2006/main" xmlns:r="http://schemas.openxmlformats.org/officeDocument/2006/relationships" xmlns:p="http://schemas.openxmlformats.org/presentationml/2006/main">
-  <p:cSld>
-    <p:spTree>
-      <p:nvGrpSpPr>
         <p:cNvPr id="1" name="Shape 491"/>
         <p:cNvGrpSpPr/>
         <p:nvPr/>
@@ -19957,10 +19884,10 @@
               <a:buNone/>
             </a:pPr>
             <a:r>
-              <a:rPr lang="en"/>
+              <a:rPr lang="en" dirty="0"/>
               <a:t>RITdb is a powerful new data storage format that provided real-time analysis, from multiple data sources. Slow rate of adoption, industry inertia. </a:t>
             </a:r>
-            <a:endParaRPr/>
+            <a:endParaRPr dirty="0"/>
           </a:p>
           <a:p>
             <a:pPr marL="0" lvl="0" indent="0" algn="l" rtl="0">
@@ -19972,7 +19899,7 @@
               </a:spcAft>
               <a:buNone/>
             </a:pPr>
-            <a:endParaRPr/>
+            <a:endParaRPr dirty="0"/>
           </a:p>
           <a:p>
             <a:pPr marL="0" lvl="0" indent="0" algn="l" rtl="0">
@@ -19985,10 +19912,10 @@
               <a:buNone/>
             </a:pPr>
             <a:r>
-              <a:rPr lang="en"/>
+              <a:rPr lang="en" dirty="0"/>
               <a:t>Reference: “Modernized IC Test Using SEMI RITdb Standards”, Stacy Ajouri, Mark Roos and Albert Fuchigami, December 29, 2023</a:t>
             </a:r>
-            <a:endParaRPr/>
+            <a:endParaRPr dirty="0"/>
           </a:p>
           <a:p>
             <a:pPr marL="0" lvl="0" indent="0" algn="l" rtl="0">
@@ -20000,7 +19927,7 @@
               </a:spcAft>
               <a:buNone/>
             </a:pPr>
-            <a:endParaRPr/>
+            <a:endParaRPr dirty="0"/>
           </a:p>
           <a:p>
             <a:pPr marL="0" lvl="0" indent="0" algn="l" rtl="0">
@@ -20013,7 +19940,7 @@
               <a:buNone/>
             </a:pPr>
             <a:r>
-              <a:rPr lang="en" sz="1100" u="sng">
+              <a:rPr lang="en" sz="1100" u="sng" dirty="0">
                 <a:solidFill>
                   <a:schemeClr val="hlink"/>
                 </a:solidFill>
@@ -20025,7 +19952,7 @@
               </a:rPr>
               <a:t>Modernized IC Test Using SEMI RITdb Standards | SEMI</a:t>
             </a:r>
-            <a:endParaRPr/>
+            <a:endParaRPr dirty="0"/>
           </a:p>
           <a:p>
             <a:pPr marL="0" lvl="0" indent="0" algn="l" rtl="0">
@@ -20037,7 +19964,7 @@
               </a:spcAft>
               <a:buNone/>
             </a:pPr>
-            <a:endParaRPr/>
+            <a:endParaRPr dirty="0"/>
           </a:p>
         </p:txBody>
       </p:sp>
@@ -20077,7 +20004,7 @@
             </a:pPr>
             <a:fld id="{00000000-1234-1234-1234-123412341234}" type="slidenum">
               <a:rPr lang="en"/>
-              <a:t>21</a:t>
+              <a:t>20</a:t>
             </a:fld>
             <a:endParaRPr/>
           </a:p>
@@ -20091,7 +20018,7 @@
 </p:sld>
 </file>
 
-<file path=ppt/slides/slide22.xml><?xml version="1.0" encoding="utf-8"?>
+<file path=ppt/slides/slide21.xml><?xml version="1.0" encoding="utf-8"?>
 <p:sld xmlns:a="http://schemas.openxmlformats.org/drawingml/2006/main" xmlns:r="http://schemas.openxmlformats.org/officeDocument/2006/relationships" xmlns:p="http://schemas.openxmlformats.org/presentationml/2006/main">
   <p:cSld>
     <p:spTree>
@@ -20143,10 +20070,10 @@
               <a:buNone/>
             </a:pPr>
             <a:r>
-              <a:rPr lang="en"/>
-              <a:t>Inspiration moves me brightly</a:t>
+              <a:rPr lang="en" dirty="0"/>
+              <a:t>Inspiration move me brightly</a:t>
             </a:r>
-            <a:endParaRPr/>
+            <a:endParaRPr dirty="0"/>
           </a:p>
         </p:txBody>
       </p:sp>
@@ -20186,7 +20113,7 @@
             </a:pPr>
             <a:r>
               <a:rPr lang="en" dirty="0"/>
-              <a:t>Wes McKinney - “Python for Data Analysis”, invented of pandas</a:t>
+              <a:t>Wes McKinney - “Python for Data Analysis”, inventer of pandas</a:t>
             </a:r>
             <a:endParaRPr dirty="0"/>
           </a:p>
@@ -20202,7 +20129,7 @@
             </a:pPr>
             <a:r>
               <a:rPr lang="en" dirty="0"/>
-              <a:t>Ritchie Vink - Invented polars</a:t>
+              <a:t>Ritchie Vink – Inventer of polars</a:t>
             </a:r>
           </a:p>
           <a:p>
@@ -20214,7 +20141,7 @@
             </a:pPr>
             <a:r>
               <a:rPr lang="en-US" dirty="0"/>
-              <a:t>Chris Parmer, Adam Schoeder - plotly</a:t>
+              <a:t>Chris Parmer, Adam Schroeder - plotly</a:t>
             </a:r>
             <a:endParaRPr lang="en" dirty="0"/>
           </a:p>
@@ -20227,7 +20154,7 @@
             </a:pPr>
             <a:r>
               <a:rPr lang="en-US" dirty="0"/>
-              <a:t>Matt Harrison - “Effective Pandas”, “Effective Polars”</a:t>
+              <a:t>Matt Harrison - “Effective Pandas”, “Effective Polars”, “Effective Visualizations”</a:t>
             </a:r>
             <a:endParaRPr lang="en" dirty="0"/>
           </a:p>
@@ -20278,24 +20205,8 @@
                   <a:srgbClr val="FFFF00"/>
                 </a:highlight>
               </a:rPr>
-              <a:t>BayPIGgies, a python interest group in Silicon Valley</a:t>
+              <a:t>BayPIGgies</a:t>
             </a:r>
-            <a:endParaRPr dirty="0">
-              <a:highlight>
-                <a:srgbClr val="FFFF00"/>
-              </a:highlight>
-            </a:endParaRPr>
-          </a:p>
-          <a:p>
-            <a:pPr marL="0" lvl="0" indent="0" algn="l" rtl="0">
-              <a:spcBef>
-                <a:spcPts val="1200"/>
-              </a:spcBef>
-              <a:spcAft>
-                <a:spcPts val="1200"/>
-              </a:spcAft>
-              <a:buNone/>
-            </a:pPr>
             <a:endParaRPr dirty="0"/>
           </a:p>
         </p:txBody>
@@ -20336,13 +20247,253 @@
             </a:pPr>
             <a:fld id="{00000000-1234-1234-1234-123412341234}" type="slidenum">
               <a:rPr lang="en"/>
+              <a:t>21</a:t>
+            </a:fld>
+            <a:endParaRPr/>
+          </a:p>
+        </p:txBody>
+      </p:sp>
+    </p:spTree>
+  </p:cSld>
+  <p:clrMapOvr>
+    <a:masterClrMapping/>
+  </p:clrMapOvr>
+</p:sld>
+</file>
+
+<file path=ppt/slides/slide22.xml><?xml version="1.0" encoding="utf-8"?>
+<p:sld xmlns:a="http://schemas.openxmlformats.org/drawingml/2006/main" xmlns:r="http://schemas.openxmlformats.org/officeDocument/2006/relationships" xmlns:p="http://schemas.openxmlformats.org/presentationml/2006/main">
+  <p:cSld>
+    <p:spTree>
+      <p:nvGrpSpPr>
+        <p:cNvPr id="1" name="Shape 498">
+          <a:extLst>
+            <a:ext uri="{FF2B5EF4-FFF2-40B4-BE49-F238E27FC236}">
+              <a16:creationId xmlns:a16="http://schemas.microsoft.com/office/drawing/2014/main" id="{9C45D8E5-7F8E-B9C5-98E5-D36AF822BD1B}"/>
+            </a:ext>
+          </a:extLst>
+        </p:cNvPr>
+        <p:cNvGrpSpPr/>
+        <p:nvPr/>
+      </p:nvGrpSpPr>
+      <p:grpSpPr>
+        <a:xfrm>
+          <a:off x="0" y="0"/>
+          <a:ext cx="0" cy="0"/>
+          <a:chOff x="0" y="0"/>
+          <a:chExt cx="0" cy="0"/>
+        </a:xfrm>
+      </p:grpSpPr>
+      <p:sp>
+        <p:nvSpPr>
+          <p:cNvPr id="499" name="Google Shape;499;p43">
+            <a:extLst>
+              <a:ext uri="{FF2B5EF4-FFF2-40B4-BE49-F238E27FC236}">
+                <a16:creationId xmlns:a16="http://schemas.microsoft.com/office/drawing/2014/main" id="{396BBAAE-C0FB-371E-3AD5-370DF0DFF597}"/>
+              </a:ext>
+            </a:extLst>
+          </p:cNvPr>
+          <p:cNvSpPr txBox="1">
+            <a:spLocks noGrp="1"/>
+          </p:cNvSpPr>
+          <p:nvPr>
+            <p:ph type="title"/>
+          </p:nvPr>
+        </p:nvSpPr>
+        <p:spPr>
+          <a:xfrm>
+            <a:off x="1303808" y="322860"/>
+            <a:ext cx="7030500" cy="817800"/>
+          </a:xfrm>
+          <a:prstGeom prst="rect">
+            <a:avLst/>
+          </a:prstGeom>
+        </p:spPr>
+        <p:txBody>
+          <a:bodyPr spcFirstLastPara="1" wrap="square" lIns="91425" tIns="91425" rIns="91425" bIns="91425" anchor="t" anchorCtr="0">
+            <a:normAutofit fontScale="90000"/>
+          </a:bodyPr>
+          <a:lstStyle/>
+          <a:p>
+            <a:pPr marL="0" lvl="0" indent="0" algn="l" rtl="0">
+              <a:spcBef>
+                <a:spcPts val="0"/>
+              </a:spcBef>
+              <a:spcAft>
+                <a:spcPts val="0"/>
+              </a:spcAft>
+              <a:buNone/>
+            </a:pPr>
+            <a:r>
+              <a:rPr lang="en" sz="2200" dirty="0"/>
+              <a:t>GitHub Repo with presentation, jupyter notebook</a:t>
+            </a:r>
+            <a:br>
+              <a:rPr lang="en" dirty="0"/>
+            </a:br>
+            <a:endParaRPr dirty="0"/>
+          </a:p>
+        </p:txBody>
+      </p:sp>
+      <p:sp>
+        <p:nvSpPr>
+          <p:cNvPr id="501" name="Google Shape;501;p43">
+            <a:extLst>
+              <a:ext uri="{FF2B5EF4-FFF2-40B4-BE49-F238E27FC236}">
+                <a16:creationId xmlns:a16="http://schemas.microsoft.com/office/drawing/2014/main" id="{380E7FFE-1329-937B-EBEC-22D968A80361}"/>
+              </a:ext>
+            </a:extLst>
+          </p:cNvPr>
+          <p:cNvSpPr txBox="1">
+            <a:spLocks noGrp="1"/>
+          </p:cNvSpPr>
+          <p:nvPr>
+            <p:ph type="sldNum" idx="12"/>
+          </p:nvPr>
+        </p:nvSpPr>
+        <p:spPr>
+          <a:xfrm>
+            <a:off x="8451046" y="4736976"/>
+            <a:ext cx="548700" cy="393600"/>
+          </a:xfrm>
+          <a:prstGeom prst="rect">
+            <a:avLst/>
+          </a:prstGeom>
+        </p:spPr>
+        <p:txBody>
+          <a:bodyPr spcFirstLastPara="1" wrap="square" lIns="91425" tIns="91425" rIns="91425" bIns="91425" anchor="ctr" anchorCtr="0">
+            <a:normAutofit/>
+          </a:bodyPr>
+          <a:lstStyle/>
+          <a:p>
+            <a:pPr marL="0" lvl="0" indent="0" algn="r" rtl="0">
+              <a:spcBef>
+                <a:spcPts val="0"/>
+              </a:spcBef>
+              <a:spcAft>
+                <a:spcPts val="0"/>
+              </a:spcAft>
+              <a:buNone/>
+            </a:pPr>
+            <a:fld id="{00000000-1234-1234-1234-123412341234}" type="slidenum">
+              <a:rPr lang="en"/>
               <a:t>22</a:t>
             </a:fld>
             <a:endParaRPr/>
           </a:p>
         </p:txBody>
       </p:sp>
+      <p:pic>
+        <p:nvPicPr>
+          <p:cNvPr id="5" name="Picture 4" descr="A qr code with black squares&#10;&#10;AI-generated content may be incorrect.">
+            <a:extLst>
+              <a:ext uri="{FF2B5EF4-FFF2-40B4-BE49-F238E27FC236}">
+                <a16:creationId xmlns:a16="http://schemas.microsoft.com/office/drawing/2014/main" id="{925A7FED-A5B2-2F47-355A-3081C94F7AFE}"/>
+              </a:ext>
+            </a:extLst>
+          </p:cNvPr>
+          <p:cNvPicPr>
+            <a:picLocks noChangeAspect="1"/>
+          </p:cNvPicPr>
+          <p:nvPr/>
+        </p:nvPicPr>
+        <p:blipFill>
+          <a:blip r:embed="rId3"/>
+          <a:stretch>
+            <a:fillRect/>
+          </a:stretch>
+        </p:blipFill>
+        <p:spPr>
+          <a:xfrm>
+            <a:off x="1022759" y="1140660"/>
+            <a:ext cx="3495204" cy="3495204"/>
+          </a:xfrm>
+          <a:prstGeom prst="rect">
+            <a:avLst/>
+          </a:prstGeom>
+        </p:spPr>
+      </p:pic>
+      <p:sp>
+        <p:nvSpPr>
+          <p:cNvPr id="6" name="TextBox 5">
+            <a:extLst>
+              <a:ext uri="{FF2B5EF4-FFF2-40B4-BE49-F238E27FC236}">
+                <a16:creationId xmlns:a16="http://schemas.microsoft.com/office/drawing/2014/main" id="{58DD45C2-7BF3-6CC3-8B51-E2B304F97BD2}"/>
+              </a:ext>
+            </a:extLst>
+          </p:cNvPr>
+          <p:cNvSpPr txBox="1"/>
+          <p:nvPr/>
+        </p:nvSpPr>
+        <p:spPr>
+          <a:xfrm>
+            <a:off x="5024956" y="1622018"/>
+            <a:ext cx="3096285" cy="2246769"/>
+          </a:xfrm>
+          <a:prstGeom prst="rect">
+            <a:avLst/>
+          </a:prstGeom>
+          <a:noFill/>
+        </p:spPr>
+        <p:txBody>
+          <a:bodyPr wrap="square" rtlCol="0">
+            <a:spAutoFit/>
+          </a:bodyPr>
+          <a:lstStyle/>
+          <a:p>
+            <a:r>
+              <a:rPr lang="en-US" dirty="0"/>
+              <a:t>Find me on LinkedIn by name</a:t>
+            </a:r>
+          </a:p>
+          <a:p>
+            <a:endParaRPr lang="en-US" dirty="0"/>
+          </a:p>
+          <a:p>
+            <a:r>
+              <a:rPr lang="en-US" dirty="0"/>
+              <a:t>Bluesky: </a:t>
+            </a:r>
+            <a:r>
+              <a:rPr lang="en-US" dirty="0" err="1">
+                <a:hlinkClick r:id="rId4"/>
+              </a:rPr>
+              <a:t>michaelpurtell@bsky.social</a:t>
+            </a:r>
+            <a:endParaRPr lang="en-US" dirty="0"/>
+          </a:p>
+          <a:p>
+            <a:endParaRPr lang="en-US" dirty="0"/>
+          </a:p>
+          <a:p>
+            <a:r>
+              <a:rPr lang="en-US" dirty="0"/>
+              <a:t>Plotly Community/ Figure Friday</a:t>
+            </a:r>
+          </a:p>
+          <a:p>
+            <a:endParaRPr lang="en-US" dirty="0"/>
+          </a:p>
+          <a:p>
+            <a:endParaRPr lang="en-US" dirty="0"/>
+          </a:p>
+          <a:p>
+            <a:endParaRPr lang="en-US" dirty="0"/>
+          </a:p>
+          <a:p>
+            <a:endParaRPr lang="en-US" dirty="0"/>
+          </a:p>
+          <a:p>
+            <a:endParaRPr lang="en-US" dirty="0"/>
+          </a:p>
+        </p:txBody>
+      </p:sp>
     </p:spTree>
+    <p:extLst>
+      <p:ext uri="{BB962C8B-B14F-4D97-AF65-F5344CB8AC3E}">
+        <p14:creationId xmlns:p14="http://schemas.microsoft.com/office/powerpoint/2010/main" val="1489871014"/>
+      </p:ext>
+    </p:extLst>
   </p:cSld>
   <p:clrMapOvr>
     <a:masterClrMapping/>

--- a/Bay_Piggies_2025_06_26.pptx
+++ b/Bay_Piggies_2025_06_26.pptx
@@ -308,7 +308,7 @@
   <pc:docChgLst>
     <pc:chgData name="Michael Purtell" userId="acb440cf5b4acec9" providerId="LiveId" clId="{C8572EB0-8950-433A-BC3D-552043CBFF01}"/>
     <pc:docChg chg="undo custSel addSld delSld modSld">
-      <pc:chgData name="Michael Purtell" userId="acb440cf5b4acec9" providerId="LiveId" clId="{C8572EB0-8950-433A-BC3D-552043CBFF01}" dt="2025-06-26T18:26:34.904" v="1727" actId="1076"/>
+      <pc:chgData name="Michael Purtell" userId="acb440cf5b4acec9" providerId="LiveId" clId="{C8572EB0-8950-433A-BC3D-552043CBFF01}" dt="2025-06-27T02:29:40.900" v="1875" actId="255"/>
       <pc:docMkLst>
         <pc:docMk/>
       </pc:docMkLst>
@@ -385,13 +385,13 @@
         </pc:sldMkLst>
       </pc:sldChg>
       <pc:sldChg chg="addSp modSp mod modNotes">
-        <pc:chgData name="Michael Purtell" userId="acb440cf5b4acec9" providerId="LiveId" clId="{C8572EB0-8950-433A-BC3D-552043CBFF01}" dt="2025-06-23T17:04:04.785" v="1277" actId="1076"/>
+        <pc:chgData name="Michael Purtell" userId="acb440cf5b4acec9" providerId="LiveId" clId="{C8572EB0-8950-433A-BC3D-552043CBFF01}" dt="2025-06-27T02:05:10.272" v="1874" actId="20577"/>
         <pc:sldMkLst>
           <pc:docMk/>
           <pc:sldMk cId="0" sldId="264"/>
         </pc:sldMkLst>
         <pc:spChg chg="mod">
-          <ac:chgData name="Michael Purtell" userId="acb440cf5b4acec9" providerId="LiveId" clId="{C8572EB0-8950-433A-BC3D-552043CBFF01}" dt="2025-06-23T17:03:34.558" v="1272" actId="20577"/>
+          <ac:chgData name="Michael Purtell" userId="acb440cf5b4acec9" providerId="LiveId" clId="{C8572EB0-8950-433A-BC3D-552043CBFF01}" dt="2025-06-27T02:05:10.272" v="1874" actId="20577"/>
           <ac:spMkLst>
             <pc:docMk/>
             <pc:sldMk cId="0" sldId="264"/>
@@ -407,7 +407,7 @@
           </ac:picMkLst>
         </pc:picChg>
         <pc:picChg chg="mod">
-          <ac:chgData name="Michael Purtell" userId="acb440cf5b4acec9" providerId="LiveId" clId="{C8572EB0-8950-433A-BC3D-552043CBFF01}" dt="2025-06-23T17:02:10.466" v="1178" actId="14100"/>
+          <ac:chgData name="Michael Purtell" userId="acb440cf5b4acec9" providerId="LiveId" clId="{C8572EB0-8950-433A-BC3D-552043CBFF01}" dt="2025-06-27T02:04:23.261" v="1751" actId="1076"/>
           <ac:picMkLst>
             <pc:docMk/>
             <pc:sldMk cId="0" sldId="264"/>
@@ -444,14 +444,6 @@
           <pc:docMk/>
           <pc:sldMk cId="0" sldId="266"/>
         </pc:sldMkLst>
-        <pc:spChg chg="mod">
-          <ac:chgData name="Michael Purtell" userId="acb440cf5b4acec9" providerId="LiveId" clId="{C8572EB0-8950-433A-BC3D-552043CBFF01}" dt="2025-06-23T16:42:35.639" v="885" actId="20577"/>
-          <ac:spMkLst>
-            <pc:docMk/>
-            <pc:sldMk cId="0" sldId="266"/>
-            <ac:spMk id="353" creationId="{00000000-0000-0000-0000-000000000000}"/>
-          </ac:spMkLst>
-        </pc:spChg>
       </pc:sldChg>
       <pc:sldChg chg="modNotes">
         <pc:chgData name="Michael Purtell" userId="acb440cf5b4acec9" providerId="LiveId" clId="{C8572EB0-8950-433A-BC3D-552043CBFF01}" dt="2025-06-23T16:38:16.925" v="224"/>
@@ -634,7 +626,7 @@
         </pc:spChg>
       </pc:sldChg>
       <pc:sldChg chg="addSp delSp modSp add mod">
-        <pc:chgData name="Michael Purtell" userId="acb440cf5b4acec9" providerId="LiveId" clId="{C8572EB0-8950-433A-BC3D-552043CBFF01}" dt="2025-06-26T18:26:34.904" v="1727" actId="1076"/>
+        <pc:chgData name="Michael Purtell" userId="acb440cf5b4acec9" providerId="LiveId" clId="{C8572EB0-8950-433A-BC3D-552043CBFF01}" dt="2025-06-27T02:29:40.900" v="1875" actId="255"/>
         <pc:sldMkLst>
           <pc:docMk/>
           <pc:sldMk cId="1489871014" sldId="288"/>
@@ -648,7 +640,7 @@
           </ac:spMkLst>
         </pc:spChg>
         <pc:spChg chg="add mod">
-          <ac:chgData name="Michael Purtell" userId="acb440cf5b4acec9" providerId="LiveId" clId="{C8572EB0-8950-433A-BC3D-552043CBFF01}" dt="2025-06-26T18:22:53.880" v="1648" actId="20577"/>
+          <ac:chgData name="Michael Purtell" userId="acb440cf5b4acec9" providerId="LiveId" clId="{C8572EB0-8950-433A-BC3D-552043CBFF01}" dt="2025-06-27T02:29:40.900" v="1875" actId="255"/>
           <ac:spMkLst>
             <pc:docMk/>
             <pc:sldMk cId="1489871014" sldId="288"/>
@@ -17505,7 +17497,7 @@
         </p:nvSpPr>
         <p:spPr>
           <a:xfrm>
-            <a:off x="1639358" y="1149637"/>
+            <a:off x="2092123" y="1140660"/>
             <a:ext cx="3179700" cy="3390900"/>
           </a:xfrm>
           <a:prstGeom prst="rect">
@@ -17547,23 +17539,6 @@
               <a:rPr lang="en" dirty="0"/>
               <a:t>Shows operating range on X-Y grid</a:t>
             </a:r>
-            <a:endParaRPr dirty="0"/>
-          </a:p>
-          <a:p>
-            <a:pPr marL="0" lvl="0" indent="0" algn="l" rtl="0">
-              <a:spcBef>
-                <a:spcPts val="1200"/>
-              </a:spcBef>
-              <a:spcAft>
-                <a:spcPts val="0"/>
-              </a:spcAft>
-              <a:buNone/>
-            </a:pPr>
-            <a:r>
-              <a:rPr lang="en" dirty="0"/>
-              <a:t>Inventor unknown</a:t>
-            </a:r>
-            <a:endParaRPr dirty="0"/>
           </a:p>
           <a:p>
             <a:pPr marL="0" lvl="0" indent="0" algn="l" rtl="0">
@@ -17593,9 +17568,23 @@
             </a:pPr>
             <a:r>
               <a:rPr lang="en" dirty="0"/>
-              <a:t>What would you call this plot if the term Shmoo had not been coined?</a:t>
+              <a:t>What would you call this plot?</a:t>
             </a:r>
-            <a:endParaRPr dirty="0"/>
+          </a:p>
+          <a:p>
+            <a:pPr marL="0" lvl="0" indent="0" algn="l" rtl="0">
+              <a:spcBef>
+                <a:spcPts val="1200"/>
+              </a:spcBef>
+              <a:spcAft>
+                <a:spcPts val="1200"/>
+              </a:spcAft>
+              <a:buNone/>
+            </a:pPr>
+            <a:r>
+              <a:rPr lang="en" dirty="0"/>
+              <a:t>Inventer unknown, earliest known user was Bob Huston</a:t>
+            </a:r>
           </a:p>
         </p:txBody>
       </p:sp>
@@ -17615,8 +17604,8 @@
         </p:blipFill>
         <p:spPr>
           <a:xfrm>
-            <a:off x="163313" y="1119188"/>
-            <a:ext cx="1140495" cy="1614959"/>
+            <a:off x="144254" y="2571750"/>
+            <a:ext cx="1671827" cy="2407783"/>
           </a:xfrm>
           <a:prstGeom prst="rect">
             <a:avLst/>
@@ -20428,7 +20417,7 @@
         <p:spPr>
           <a:xfrm>
             <a:off x="5024956" y="1622018"/>
-            <a:ext cx="3096285" cy="2246769"/>
+            <a:ext cx="3096285" cy="3385542"/>
           </a:xfrm>
           <a:prstGeom prst="rect">
             <a:avLst/>
@@ -20442,32 +20431,32 @@
           <a:lstStyle/>
           <a:p>
             <a:r>
-              <a:rPr lang="en-US" dirty="0"/>
+              <a:rPr lang="en-US" sz="1800" dirty="0"/>
               <a:t>Find me on LinkedIn by name</a:t>
             </a:r>
           </a:p>
           <a:p>
-            <a:endParaRPr lang="en-US" dirty="0"/>
+            <a:endParaRPr lang="en-US" sz="1800" dirty="0"/>
           </a:p>
           <a:p>
             <a:r>
-              <a:rPr lang="en-US" dirty="0"/>
+              <a:rPr lang="en-US" sz="1800" dirty="0"/>
               <a:t>Bluesky: </a:t>
             </a:r>
             <a:r>
-              <a:rPr lang="en-US" dirty="0" err="1">
+              <a:rPr lang="en-US" sz="1800" dirty="0" err="1">
                 <a:hlinkClick r:id="rId4"/>
               </a:rPr>
               <a:t>michaelpurtell@bsky.social</a:t>
             </a:r>
-            <a:endParaRPr lang="en-US" dirty="0"/>
+            <a:endParaRPr lang="en-US" sz="1800" dirty="0"/>
           </a:p>
           <a:p>
-            <a:endParaRPr lang="en-US" dirty="0"/>
+            <a:endParaRPr lang="en-US" sz="1800" dirty="0"/>
           </a:p>
           <a:p>
             <a:r>
-              <a:rPr lang="en-US" dirty="0"/>
+              <a:rPr lang="en-US" sz="1800" dirty="0"/>
               <a:t>Plotly Community/ Figure Friday</a:t>
             </a:r>
           </a:p>

--- a/Bay_Piggies_2025_06_26.pptx
+++ b/Bay_Piggies_2025_06_26.pptx
@@ -308,7 +308,7 @@
   <pc:docChgLst>
     <pc:chgData name="Michael Purtell" userId="acb440cf5b4acec9" providerId="LiveId" clId="{C8572EB0-8950-433A-BC3D-552043CBFF01}"/>
     <pc:docChg chg="undo custSel addSld delSld modSld">
-      <pc:chgData name="Michael Purtell" userId="acb440cf5b4acec9" providerId="LiveId" clId="{C8572EB0-8950-433A-BC3D-552043CBFF01}" dt="2025-06-27T02:29:40.900" v="1875" actId="255"/>
+      <pc:chgData name="Michael Purtell" userId="acb440cf5b4acec9" providerId="LiveId" clId="{C8572EB0-8950-433A-BC3D-552043CBFF01}" dt="2025-06-27T02:32:29.573" v="1876" actId="14100"/>
       <pc:docMkLst>
         <pc:docMk/>
       </pc:docMkLst>
@@ -626,7 +626,7 @@
         </pc:spChg>
       </pc:sldChg>
       <pc:sldChg chg="addSp delSp modSp add mod">
-        <pc:chgData name="Michael Purtell" userId="acb440cf5b4acec9" providerId="LiveId" clId="{C8572EB0-8950-433A-BC3D-552043CBFF01}" dt="2025-06-27T02:29:40.900" v="1875" actId="255"/>
+        <pc:chgData name="Michael Purtell" userId="acb440cf5b4acec9" providerId="LiveId" clId="{C8572EB0-8950-433A-BC3D-552043CBFF01}" dt="2025-06-27T02:32:29.573" v="1876" actId="14100"/>
         <pc:sldMkLst>
           <pc:docMk/>
           <pc:sldMk cId="1489871014" sldId="288"/>
@@ -640,7 +640,7 @@
           </ac:spMkLst>
         </pc:spChg>
         <pc:spChg chg="add mod">
-          <ac:chgData name="Michael Purtell" userId="acb440cf5b4acec9" providerId="LiveId" clId="{C8572EB0-8950-433A-BC3D-552043CBFF01}" dt="2025-06-27T02:29:40.900" v="1875" actId="255"/>
+          <ac:chgData name="Michael Purtell" userId="acb440cf5b4acec9" providerId="LiveId" clId="{C8572EB0-8950-433A-BC3D-552043CBFF01}" dt="2025-06-27T02:32:29.573" v="1876" actId="14100"/>
           <ac:spMkLst>
             <pc:docMk/>
             <pc:sldMk cId="1489871014" sldId="288"/>
@@ -20417,7 +20417,7 @@
         <p:spPr>
           <a:xfrm>
             <a:off x="5024956" y="1622018"/>
-            <a:ext cx="3096285" cy="3385542"/>
+            <a:ext cx="3495204" cy="2831544"/>
           </a:xfrm>
           <a:prstGeom prst="rect">
             <a:avLst/>
